--- a/Kropevnetskiy_Nestor_3_rapport_optimisation/Rapport d’optimisation.pptx
+++ b/Kropevnetskiy_Nestor_3_rapport_optimisation/Rapport d’optimisation.pptx
@@ -15,6 +15,9 @@
     <p:sldId id="263" r:id="rId9"/>
     <p:sldId id="264" r:id="rId10"/>
     <p:sldId id="265" r:id="rId11"/>
+    <p:sldId id="266" r:id="rId12"/>
+    <p:sldId id="267" r:id="rId13"/>
+    <p:sldId id="268" r:id="rId14"/>
   </p:sldIdLst>
   <p:sldSz cx="12192000" cy="6858000"/>
   <p:notesSz cx="6858000" cy="9144000"/>
@@ -128,6 +131,9 @@
             <p14:sldId id="263"/>
             <p14:sldId id="264"/>
             <p14:sldId id="265"/>
+            <p14:sldId id="266"/>
+            <p14:sldId id="267"/>
+            <p14:sldId id="268"/>
           </p14:sldIdLst>
         </p14:section>
       </p14:sectionLst>
@@ -6028,6 +6034,305 @@
 </p:sld>
 </file>
 
+<file path=ppt/slides/slide11.xml><?xml version="1.0" encoding="utf-8"?>
+<p:sld xmlns:a="http://schemas.openxmlformats.org/drawingml/2006/main" xmlns:r="http://schemas.openxmlformats.org/officeDocument/2006/relationships" xmlns:p="http://schemas.openxmlformats.org/presentationml/2006/main">
+  <p:cSld>
+    <p:spTree>
+      <p:nvGrpSpPr>
+        <p:cNvPr id="1" name=""/>
+        <p:cNvGrpSpPr/>
+        <p:nvPr/>
+      </p:nvGrpSpPr>
+      <p:grpSpPr>
+        <a:xfrm>
+          <a:off x="0" y="0"/>
+          <a:ext cx="0" cy="0"/>
+          <a:chOff x="0" y="0"/>
+          <a:chExt cx="0" cy="0"/>
+        </a:xfrm>
+      </p:grpSpPr>
+      <p:sp>
+        <p:nvSpPr>
+          <p:cNvPr id="2" name="Заголовок 1"/>
+          <p:cNvSpPr>
+            <a:spLocks noGrp="1"/>
+          </p:cNvSpPr>
+          <p:nvPr>
+            <p:ph type="title"/>
+          </p:nvPr>
+        </p:nvSpPr>
+        <p:spPr>
+          <a:xfrm>
+            <a:off x="551210" y="0"/>
+            <a:ext cx="8596668" cy="798786"/>
+          </a:xfrm>
+        </p:spPr>
+        <p:txBody>
+          <a:bodyPr/>
+          <a:lstStyle/>
+          <a:p>
+            <a:r>
+              <a:rPr lang="fr-FR" dirty="0" smtClean="0">
+                <a:solidFill>
+                  <a:schemeClr val="tx1"/>
+                </a:solidFill>
+              </a:rPr>
+              <a:t>Notre site internet avant l’optimisation</a:t>
+            </a:r>
+            <a:endParaRPr lang="fr-FR" dirty="0">
+              <a:solidFill>
+                <a:schemeClr val="tx1"/>
+              </a:solidFill>
+            </a:endParaRPr>
+          </a:p>
+        </p:txBody>
+      </p:sp>
+      <p:pic>
+        <p:nvPicPr>
+          <p:cNvPr id="4" name="Объект 3"/>
+          <p:cNvPicPr>
+            <a:picLocks noGrp="1" noChangeAspect="1"/>
+          </p:cNvPicPr>
+          <p:nvPr>
+            <p:ph idx="1"/>
+          </p:nvPr>
+        </p:nvPicPr>
+        <p:blipFill>
+          <a:blip r:embed="rId2">
+            <a:extLst>
+              <a:ext uri="{28A0092B-C50C-407E-A947-70E740481C1C}">
+                <a14:useLocalDpi xmlns:a14="http://schemas.microsoft.com/office/drawing/2010/main" val="0"/>
+              </a:ext>
+            </a:extLst>
+          </a:blip>
+          <a:stretch>
+            <a:fillRect/>
+          </a:stretch>
+        </p:blipFill>
+        <p:spPr>
+          <a:xfrm>
+            <a:off x="551210" y="798786"/>
+            <a:ext cx="10663328" cy="5998123"/>
+          </a:xfrm>
+        </p:spPr>
+      </p:pic>
+    </p:spTree>
+    <p:extLst>
+      <p:ext uri="{BB962C8B-B14F-4D97-AF65-F5344CB8AC3E}">
+        <p14:creationId xmlns:p14="http://schemas.microsoft.com/office/powerpoint/2010/main" val="4028916059"/>
+      </p:ext>
+    </p:extLst>
+  </p:cSld>
+  <p:clrMapOvr>
+    <a:masterClrMapping/>
+  </p:clrMapOvr>
+</p:sld>
+</file>
+
+<file path=ppt/slides/slide12.xml><?xml version="1.0" encoding="utf-8"?>
+<p:sld xmlns:a="http://schemas.openxmlformats.org/drawingml/2006/main" xmlns:r="http://schemas.openxmlformats.org/officeDocument/2006/relationships" xmlns:p="http://schemas.openxmlformats.org/presentationml/2006/main">
+  <p:cSld>
+    <p:spTree>
+      <p:nvGrpSpPr>
+        <p:cNvPr id="1" name=""/>
+        <p:cNvGrpSpPr/>
+        <p:nvPr/>
+      </p:nvGrpSpPr>
+      <p:grpSpPr>
+        <a:xfrm>
+          <a:off x="0" y="0"/>
+          <a:ext cx="0" cy="0"/>
+          <a:chOff x="0" y="0"/>
+          <a:chExt cx="0" cy="0"/>
+        </a:xfrm>
+      </p:grpSpPr>
+      <p:sp>
+        <p:nvSpPr>
+          <p:cNvPr id="2" name="Заголовок 1"/>
+          <p:cNvSpPr>
+            <a:spLocks noGrp="1"/>
+          </p:cNvSpPr>
+          <p:nvPr>
+            <p:ph type="title"/>
+          </p:nvPr>
+        </p:nvSpPr>
+        <p:spPr>
+          <a:xfrm>
+            <a:off x="246409" y="84083"/>
+            <a:ext cx="8596668" cy="725214"/>
+          </a:xfrm>
+        </p:spPr>
+        <p:txBody>
+          <a:bodyPr/>
+          <a:lstStyle/>
+          <a:p>
+            <a:r>
+              <a:rPr lang="fr-FR" dirty="0" smtClean="0">
+                <a:solidFill>
+                  <a:schemeClr val="tx1"/>
+                </a:solidFill>
+              </a:rPr>
+              <a:t>Notre site après l’optimisation</a:t>
+            </a:r>
+            <a:endParaRPr lang="fr-FR" dirty="0">
+              <a:solidFill>
+                <a:schemeClr val="tx1"/>
+              </a:solidFill>
+            </a:endParaRPr>
+          </a:p>
+        </p:txBody>
+      </p:sp>
+      <p:pic>
+        <p:nvPicPr>
+          <p:cNvPr id="4" name="Объект 3"/>
+          <p:cNvPicPr>
+            <a:picLocks noGrp="1" noChangeAspect="1"/>
+          </p:cNvPicPr>
+          <p:nvPr>
+            <p:ph idx="1"/>
+          </p:nvPr>
+        </p:nvPicPr>
+        <p:blipFill>
+          <a:blip r:embed="rId2">
+            <a:extLst>
+              <a:ext uri="{28A0092B-C50C-407E-A947-70E740481C1C}">
+                <a14:useLocalDpi xmlns:a14="http://schemas.microsoft.com/office/drawing/2010/main" val="0"/>
+              </a:ext>
+            </a:extLst>
+          </a:blip>
+          <a:stretch>
+            <a:fillRect/>
+          </a:stretch>
+        </p:blipFill>
+        <p:spPr>
+          <a:xfrm>
+            <a:off x="437110" y="888836"/>
+            <a:ext cx="9453124" cy="5840708"/>
+          </a:xfrm>
+        </p:spPr>
+      </p:pic>
+    </p:spTree>
+    <p:extLst>
+      <p:ext uri="{BB962C8B-B14F-4D97-AF65-F5344CB8AC3E}">
+        <p14:creationId xmlns:p14="http://schemas.microsoft.com/office/powerpoint/2010/main" val="1749564758"/>
+      </p:ext>
+    </p:extLst>
+  </p:cSld>
+  <p:clrMapOvr>
+    <a:masterClrMapping/>
+  </p:clrMapOvr>
+</p:sld>
+</file>
+
+<file path=ppt/slides/slide13.xml><?xml version="1.0" encoding="utf-8"?>
+<p:sld xmlns:a="http://schemas.openxmlformats.org/drawingml/2006/main" xmlns:r="http://schemas.openxmlformats.org/officeDocument/2006/relationships" xmlns:p="http://schemas.openxmlformats.org/presentationml/2006/main">
+  <p:cSld>
+    <p:spTree>
+      <p:nvGrpSpPr>
+        <p:cNvPr id="1" name=""/>
+        <p:cNvGrpSpPr/>
+        <p:nvPr/>
+      </p:nvGrpSpPr>
+      <p:grpSpPr>
+        <a:xfrm>
+          <a:off x="0" y="0"/>
+          <a:ext cx="0" cy="0"/>
+          <a:chOff x="0" y="0"/>
+          <a:chExt cx="0" cy="0"/>
+        </a:xfrm>
+      </p:grpSpPr>
+      <p:sp>
+        <p:nvSpPr>
+          <p:cNvPr id="2" name="Заголовок 1"/>
+          <p:cNvSpPr>
+            <a:spLocks noGrp="1"/>
+          </p:cNvSpPr>
+          <p:nvPr>
+            <p:ph type="title"/>
+          </p:nvPr>
+        </p:nvSpPr>
+        <p:spPr>
+          <a:xfrm>
+            <a:off x="2096230" y="2165132"/>
+            <a:ext cx="8596668" cy="1502979"/>
+          </a:xfrm>
+        </p:spPr>
+        <p:txBody>
+          <a:bodyPr>
+            <a:normAutofit/>
+          </a:bodyPr>
+          <a:lstStyle/>
+          <a:p>
+            <a:r>
+              <a:rPr lang="fr-FR" sz="7200" dirty="0" smtClean="0">
+                <a:solidFill>
+                  <a:schemeClr val="tx1"/>
+                </a:solidFill>
+              </a:rPr>
+              <a:t>The End</a:t>
+            </a:r>
+            <a:endParaRPr lang="fr-FR" sz="7200" dirty="0">
+              <a:solidFill>
+                <a:schemeClr val="tx1"/>
+              </a:solidFill>
+            </a:endParaRPr>
+          </a:p>
+        </p:txBody>
+      </p:sp>
+      <p:sp>
+        <p:nvSpPr>
+          <p:cNvPr id="3" name="Объект 2"/>
+          <p:cNvSpPr>
+            <a:spLocks noGrp="1"/>
+          </p:cNvSpPr>
+          <p:nvPr>
+            <p:ph idx="1"/>
+          </p:nvPr>
+        </p:nvSpPr>
+        <p:spPr>
+          <a:xfrm>
+            <a:off x="6542106" y="5891762"/>
+            <a:ext cx="3440990" cy="803328"/>
+          </a:xfrm>
+        </p:spPr>
+        <p:txBody>
+          <a:bodyPr>
+            <a:normAutofit/>
+          </a:bodyPr>
+          <a:lstStyle/>
+          <a:p>
+            <a:pPr marL="0" indent="0">
+              <a:buNone/>
+            </a:pPr>
+            <a:r>
+              <a:rPr lang="fr-FR" sz="2400" dirty="0" smtClean="0">
+                <a:solidFill>
+                  <a:schemeClr val="tx1"/>
+                </a:solidFill>
+              </a:rPr>
+              <a:t>Merci</a:t>
+            </a:r>
+            <a:endParaRPr lang="fr-FR" sz="2400" dirty="0">
+              <a:solidFill>
+                <a:schemeClr val="tx1"/>
+              </a:solidFill>
+            </a:endParaRPr>
+          </a:p>
+        </p:txBody>
+      </p:sp>
+    </p:spTree>
+    <p:extLst>
+      <p:ext uri="{BB962C8B-B14F-4D97-AF65-F5344CB8AC3E}">
+        <p14:creationId xmlns:p14="http://schemas.microsoft.com/office/powerpoint/2010/main" val="703757369"/>
+      </p:ext>
+    </p:extLst>
+  </p:cSld>
+  <p:clrMapOvr>
+    <a:masterClrMapping/>
+  </p:clrMapOvr>
+</p:sld>
+</file>
+
 <file path=ppt/slides/slide2.xml><?xml version="1.0" encoding="utf-8"?>
 <p:sld xmlns:a="http://schemas.openxmlformats.org/drawingml/2006/main" xmlns:r="http://schemas.openxmlformats.org/officeDocument/2006/relationships" xmlns:p="http://schemas.openxmlformats.org/presentationml/2006/main">
   <p:cSld>
